--- a/pdfs/Arquitectura de Computadores.pptx
+++ b/pdfs/Arquitectura de Computadores.pptx
@@ -417,7 +417,7 @@
           <a:p>
             <a:fld id="{B49C5F12-59B6-43D8-97EC-004E96E23D61}" type="datetimeFigureOut">
               <a:rPr lang="en-US" smtClean="0"/>
-              <a:t>9/11/2024</a:t>
+              <a:t>9/10/2025</a:t>
             </a:fld>
             <a:endParaRPr lang="en-US"/>
           </a:p>
@@ -810,7 +810,7 @@
           <a:p>
             <a:fld id="{B49C5F12-59B6-43D8-97EC-004E96E23D61}" type="datetimeFigureOut">
               <a:rPr lang="en-US" smtClean="0"/>
-              <a:t>9/11/2024</a:t>
+              <a:t>9/10/2025</a:t>
             </a:fld>
             <a:endParaRPr lang="en-US"/>
           </a:p>
@@ -1342,7 +1342,7 @@
           <a:p>
             <a:fld id="{B49C5F12-59B6-43D8-97EC-004E96E23D61}" type="datetimeFigureOut">
               <a:rPr lang="en-US" smtClean="0"/>
-              <a:t>9/11/2024</a:t>
+              <a:t>9/10/2025</a:t>
             </a:fld>
             <a:endParaRPr lang="en-US"/>
           </a:p>
@@ -1475,7 +1475,7 @@
           <a:p>
             <a:fld id="{B49C5F12-59B6-43D8-97EC-004E96E23D61}" type="datetimeFigureOut">
               <a:rPr lang="en-US" smtClean="0"/>
-              <a:t>9/11/2024</a:t>
+              <a:t>9/10/2025</a:t>
             </a:fld>
             <a:endParaRPr lang="en-US"/>
           </a:p>
@@ -2018,7 +2018,7 @@
           <a:p>
             <a:fld id="{B49C5F12-59B6-43D8-97EC-004E96E23D61}" type="datetimeFigureOut">
               <a:rPr lang="en-US" smtClean="0"/>
-              <a:t>9/11/2024</a:t>
+              <a:t>9/10/2025</a:t>
             </a:fld>
             <a:endParaRPr lang="en-US"/>
           </a:p>
@@ -2313,7 +2313,7 @@
           <a:p>
             <a:fld id="{B49C5F12-59B6-43D8-97EC-004E96E23D61}" type="datetimeFigureOut">
               <a:rPr lang="en-US" smtClean="0"/>
-              <a:t>9/11/2024</a:t>
+              <a:t>9/10/2025</a:t>
             </a:fld>
             <a:endParaRPr lang="en-US"/>
           </a:p>
@@ -2972,7 +2972,7 @@
           <a:p>
             <a:fld id="{B49C5F12-59B6-43D8-97EC-004E96E23D61}" type="datetimeFigureOut">
               <a:rPr lang="en-US" smtClean="0"/>
-              <a:t>9/11/2024</a:t>
+              <a:t>9/10/2025</a:t>
             </a:fld>
             <a:endParaRPr lang="en-US"/>
           </a:p>
@@ -3408,7 +3408,7 @@
           <a:p>
             <a:fld id="{B49C5F12-59B6-43D8-97EC-004E96E23D61}" type="datetimeFigureOut">
               <a:rPr lang="en-US" smtClean="0"/>
-              <a:t>9/11/2024</a:t>
+              <a:t>9/10/2025</a:t>
             </a:fld>
             <a:endParaRPr lang="en-US"/>
           </a:p>
@@ -3721,7 +3721,7 @@
           <a:p>
             <a:fld id="{B49C5F12-59B6-43D8-97EC-004E96E23D61}" type="datetimeFigureOut">
               <a:rPr lang="en-US" smtClean="0"/>
-              <a:t>9/11/2024</a:t>
+              <a:t>9/10/2025</a:t>
             </a:fld>
             <a:endParaRPr lang="en-US"/>
           </a:p>
@@ -4453,7 +4453,7 @@
           <a:p>
             <a:fld id="{B49C5F12-59B6-43D8-97EC-004E96E23D61}" type="datetimeFigureOut">
               <a:rPr lang="en-US" smtClean="0"/>
-              <a:t>9/11/2024</a:t>
+              <a:t>9/10/2025</a:t>
             </a:fld>
             <a:endParaRPr lang="en-US"/>
           </a:p>
@@ -5117,7 +5117,7 @@
           <a:p>
             <a:fld id="{B49C5F12-59B6-43D8-97EC-004E96E23D61}" type="datetimeFigureOut">
               <a:rPr lang="en-US" smtClean="0"/>
-              <a:t>9/11/2024</a:t>
+              <a:t>9/10/2025</a:t>
             </a:fld>
             <a:endParaRPr lang="en-US"/>
           </a:p>
@@ -5390,7 +5390,7 @@
           <a:p>
             <a:fld id="{B49C5F12-59B6-43D8-97EC-004E96E23D61}" type="datetimeFigureOut">
               <a:rPr lang="en-US" smtClean="0"/>
-              <a:t>9/11/2024</a:t>
+              <a:t>9/10/2025</a:t>
             </a:fld>
             <a:endParaRPr lang="en-US"/>
           </a:p>
@@ -6095,7 +6095,7 @@
             </a:r>
             <a:r>
               <a:rPr lang="en-US" sz="2500" dirty="0"/>
-              <a:t> 22/23</a:t>
+              <a:t> 25/26</a:t>
             </a:r>
           </a:p>
           <a:p>
@@ -7043,10 +7043,10 @@
       </p:sp>
       <p:pic>
         <p:nvPicPr>
-          <p:cNvPr id="9" name="Imagen 8">
+          <p:cNvPr id="3" name="Imagen 2">
             <a:extLst>
               <a:ext uri="{FF2B5EF4-FFF2-40B4-BE49-F238E27FC236}">
-                <a16:creationId xmlns:a16="http://schemas.microsoft.com/office/drawing/2014/main" id="{E21AEDE0-61C2-40CD-946E-C2B8414B51AC}"/>
+                <a16:creationId xmlns:a16="http://schemas.microsoft.com/office/drawing/2014/main" id="{6A2F4799-A950-4F1C-BC13-02D194CDD79D}"/>
               </a:ext>
             </a:extLst>
           </p:cNvPr>
@@ -7055,15 +7055,16 @@
           </p:cNvPicPr>
           <p:nvPr/>
         </p:nvPicPr>
-        <p:blipFill rotWithShape="1">
+        <p:blipFill>
           <a:blip r:embed="rId2"/>
-          <a:srcRect t="13030" b="11710"/>
-          <a:stretch/>
+          <a:stretch>
+            <a:fillRect/>
+          </a:stretch>
         </p:blipFill>
         <p:spPr>
           <a:xfrm>
-            <a:off x="688211" y="2348880"/>
-            <a:ext cx="7700213" cy="3456385"/>
+            <a:off x="355537" y="2060848"/>
+            <a:ext cx="8450372" cy="3922357"/>
           </a:xfrm>
           <a:prstGeom prst="rect">
             <a:avLst/>
@@ -7150,8 +7151,8 @@
         </p:blipFill>
         <p:spPr>
           <a:xfrm>
-            <a:off x="1043608" y="1413139"/>
-            <a:ext cx="7483357" cy="5216261"/>
+            <a:off x="971600" y="1124744"/>
+            <a:ext cx="7488832" cy="5220077"/>
           </a:xfrm>
           <a:prstGeom prst="rect">
             <a:avLst/>
@@ -7396,15 +7397,28 @@
               <a:rPr lang="es-ES" dirty="0">
                 <a:hlinkClick r:id="rId2"/>
               </a:rPr>
-              <a:t>https://eii.cv.uma.es/course/view.php?id=5084</a:t>
+              <a:t>https://eii.cv.uma.es/course/view.php?id=5713</a:t>
             </a:r>
             <a:endParaRPr lang="es-ES" dirty="0"/>
           </a:p>
           <a:p>
             <a:pPr lvl="2"/>
             <a:r>
+              <a:rPr lang="es-ES" dirty="0">
+                <a:hlinkClick r:id="rId3"/>
+              </a:rPr>
+              <a:t>https://github.com/luisfromero/ac</a:t>
+            </a:r>
+            <a:r>
+              <a:rPr lang="es-ES" dirty="0"/>
+              <a:t> (requiere invitación)</a:t>
+            </a:r>
+          </a:p>
+          <a:p>
+            <a:pPr lvl="2"/>
+            <a:r>
               <a:rPr lang="en-US" dirty="0">
-                <a:hlinkClick r:id="rId3"/>
+                <a:hlinkClick r:id="rId4"/>
               </a:rPr>
               <a:t>felipe@uma.es</a:t>
             </a:r>
@@ -7745,6 +7759,15 @@
 </file>
 
 <file path=customXml/item1.xml><?xml version="1.0" encoding="utf-8"?>
+<?mso-contentType ?>
+<FormTemplates xmlns="http://schemas.microsoft.com/sharepoint/v3/contenttype/forms">
+  <Display>DocumentLibraryForm</Display>
+  <Edit>DocumentLibraryForm</Edit>
+  <New>DocumentLibraryForm</New>
+</FormTemplates>
+</file>
+
+<file path=customXml/item2.xml><?xml version="1.0" encoding="utf-8"?>
 <ct:contentTypeSchema xmlns:ct="http://schemas.microsoft.com/office/2006/metadata/contentType" xmlns:ma="http://schemas.microsoft.com/office/2006/metadata/properties/metaAttributes" ct:_="" ma:_="" ma:contentTypeName="Documento" ma:contentTypeID="0x0101004CE8D363D1A06C4A8E99892E111062E1" ma:contentTypeVersion="11" ma:contentTypeDescription="Crear nuevo documento." ma:contentTypeScope="" ma:versionID="bc7335ac6b45c3b24761353ffdff9b7a">
   <xsd:schema xmlns:xsd="http://www.w3.org/2001/XMLSchema" xmlns:xs="http://www.w3.org/2001/XMLSchema" xmlns:p="http://schemas.microsoft.com/office/2006/metadata/properties" xmlns:ns3="2d68f367-3448-4584-8be4-e5200f1a88eb" xmlns:ns4="b7216d0d-3061-4c5f-91f9-f9dbb705efc2" targetNamespace="http://schemas.microsoft.com/office/2006/metadata/properties" ma:root="true" ma:fieldsID="9890ec198a05d4ef84ee45e003419e1e" ns3:_="" ns4:_="">
     <xsd:import namespace="2d68f367-3448-4584-8be4-e5200f1a88eb"/>
@@ -7953,15 +7976,6 @@
 </ct:contentTypeSchema>
 </file>
 
-<file path=customXml/item2.xml><?xml version="1.0" encoding="utf-8"?>
-<?mso-contentType ?>
-<FormTemplates xmlns="http://schemas.microsoft.com/sharepoint/v3/contenttype/forms">
-  <Display>DocumentLibraryForm</Display>
-  <Edit>DocumentLibraryForm</Edit>
-  <New>DocumentLibraryForm</New>
-</FormTemplates>
-</file>
-
 <file path=customXml/item3.xml><?xml version="1.0" encoding="utf-8"?>
 <p:properties xmlns:p="http://schemas.microsoft.com/office/2006/metadata/properties" xmlns:xsi="http://www.w3.org/2001/XMLSchema-instance" xmlns:pc="http://schemas.microsoft.com/office/infopath/2007/PartnerControls">
   <documentManagement/>
@@ -7969,6 +7983,14 @@
 </file>
 
 <file path=customXml/itemProps1.xml><?xml version="1.0" encoding="utf-8"?>
+<ds:datastoreItem xmlns:ds="http://schemas.openxmlformats.org/officeDocument/2006/customXml" ds:itemID="{B9A8E0AA-B776-4AB2-BDEB-3AFAC6847E8B}">
+  <ds:schemaRefs>
+    <ds:schemaRef ds:uri="http://schemas.microsoft.com/sharepoint/v3/contenttype/forms"/>
+  </ds:schemaRefs>
+</ds:datastoreItem>
+</file>
+
+<file path=customXml/itemProps2.xml><?xml version="1.0" encoding="utf-8"?>
 <ds:datastoreItem xmlns:ds="http://schemas.openxmlformats.org/officeDocument/2006/customXml" ds:itemID="{0B4BF2B3-C642-4EE1-807E-EFF9AA359007}">
   <ds:schemaRefs>
     <ds:schemaRef ds:uri="http://schemas.microsoft.com/office/2006/metadata/contentType"/>
@@ -7983,14 +8005,6 @@
     <ds:schemaRef ds:uri="http://purl.org/dc/elements/1.1/"/>
     <ds:schemaRef ds:uri="http://purl.org/dc/terms/"/>
     <ds:schemaRef ds:uri="http://schemas.microsoft.com/internal/obd"/>
-  </ds:schemaRefs>
-</ds:datastoreItem>
-</file>
-
-<file path=customXml/itemProps2.xml><?xml version="1.0" encoding="utf-8"?>
-<ds:datastoreItem xmlns:ds="http://schemas.openxmlformats.org/officeDocument/2006/customXml" ds:itemID="{B9A8E0AA-B776-4AB2-BDEB-3AFAC6847E8B}">
-  <ds:schemaRefs>
-    <ds:schemaRef ds:uri="http://schemas.microsoft.com/sharepoint/v3/contenttype/forms"/>
   </ds:schemaRefs>
 </ds:datastoreItem>
 </file>
